--- a/web.pptx
+++ b/web.pptx
@@ -104,6 +104,11 @@
       </a:defRPr>
     </a:lvl9pPr>
   </p:defaultTextStyle>
+  <p:extLst>
+    <p:ext uri="{EFAFB233-063F-42B5-8137-9DF3F51BA10A}">
+      <p15:sldGuideLst xmlns:p15="http://schemas.microsoft.com/office/powerpoint/2012/main"/>
+    </p:ext>
+  </p:extLst>
 </p:presentation>
 </file>
 
@@ -238,7 +243,7 @@
           <a:p>
             <a:fld id="{15C27510-3AE8-4818-94D1-472508074B7B}" type="datetimeFigureOut">
               <a:rPr lang="es-PE" smtClean="0"/>
-              <a:t>20/12/2014</a:t>
+              <a:t>27/12/2014</a:t>
             </a:fld>
             <a:endParaRPr lang="es-PE"/>
           </a:p>
@@ -408,7 +413,7 @@
           <a:p>
             <a:fld id="{15C27510-3AE8-4818-94D1-472508074B7B}" type="datetimeFigureOut">
               <a:rPr lang="es-PE" smtClean="0"/>
-              <a:t>20/12/2014</a:t>
+              <a:t>27/12/2014</a:t>
             </a:fld>
             <a:endParaRPr lang="es-PE"/>
           </a:p>
@@ -588,7 +593,7 @@
           <a:p>
             <a:fld id="{15C27510-3AE8-4818-94D1-472508074B7B}" type="datetimeFigureOut">
               <a:rPr lang="es-PE" smtClean="0"/>
-              <a:t>20/12/2014</a:t>
+              <a:t>27/12/2014</a:t>
             </a:fld>
             <a:endParaRPr lang="es-PE"/>
           </a:p>
@@ -758,7 +763,7 @@
           <a:p>
             <a:fld id="{15C27510-3AE8-4818-94D1-472508074B7B}" type="datetimeFigureOut">
               <a:rPr lang="es-PE" smtClean="0"/>
-              <a:t>20/12/2014</a:t>
+              <a:t>27/12/2014</a:t>
             </a:fld>
             <a:endParaRPr lang="es-PE"/>
           </a:p>
@@ -1004,7 +1009,7 @@
           <a:p>
             <a:fld id="{15C27510-3AE8-4818-94D1-472508074B7B}" type="datetimeFigureOut">
               <a:rPr lang="es-PE" smtClean="0"/>
-              <a:t>20/12/2014</a:t>
+              <a:t>27/12/2014</a:t>
             </a:fld>
             <a:endParaRPr lang="es-PE"/>
           </a:p>
@@ -1236,7 +1241,7 @@
           <a:p>
             <a:fld id="{15C27510-3AE8-4818-94D1-472508074B7B}" type="datetimeFigureOut">
               <a:rPr lang="es-PE" smtClean="0"/>
-              <a:t>20/12/2014</a:t>
+              <a:t>27/12/2014</a:t>
             </a:fld>
             <a:endParaRPr lang="es-PE"/>
           </a:p>
@@ -1603,7 +1608,7 @@
           <a:p>
             <a:fld id="{15C27510-3AE8-4818-94D1-472508074B7B}" type="datetimeFigureOut">
               <a:rPr lang="es-PE" smtClean="0"/>
-              <a:t>20/12/2014</a:t>
+              <a:t>27/12/2014</a:t>
             </a:fld>
             <a:endParaRPr lang="es-PE"/>
           </a:p>
@@ -1721,7 +1726,7 @@
           <a:p>
             <a:fld id="{15C27510-3AE8-4818-94D1-472508074B7B}" type="datetimeFigureOut">
               <a:rPr lang="es-PE" smtClean="0"/>
-              <a:t>20/12/2014</a:t>
+              <a:t>27/12/2014</a:t>
             </a:fld>
             <a:endParaRPr lang="es-PE"/>
           </a:p>
@@ -1816,7 +1821,7 @@
           <a:p>
             <a:fld id="{15C27510-3AE8-4818-94D1-472508074B7B}" type="datetimeFigureOut">
               <a:rPr lang="es-PE" smtClean="0"/>
-              <a:t>20/12/2014</a:t>
+              <a:t>27/12/2014</a:t>
             </a:fld>
             <a:endParaRPr lang="es-PE"/>
           </a:p>
@@ -2093,7 +2098,7 @@
           <a:p>
             <a:fld id="{15C27510-3AE8-4818-94D1-472508074B7B}" type="datetimeFigureOut">
               <a:rPr lang="es-PE" smtClean="0"/>
-              <a:t>20/12/2014</a:t>
+              <a:t>27/12/2014</a:t>
             </a:fld>
             <a:endParaRPr lang="es-PE"/>
           </a:p>
@@ -2346,7 +2351,7 @@
           <a:p>
             <a:fld id="{15C27510-3AE8-4818-94D1-472508074B7B}" type="datetimeFigureOut">
               <a:rPr lang="es-PE" smtClean="0"/>
-              <a:t>20/12/2014</a:t>
+              <a:t>27/12/2014</a:t>
             </a:fld>
             <a:endParaRPr lang="es-PE"/>
           </a:p>
@@ -2559,7 +2564,7 @@
           <a:p>
             <a:fld id="{15C27510-3AE8-4818-94D1-472508074B7B}" type="datetimeFigureOut">
               <a:rPr lang="es-PE" smtClean="0"/>
-              <a:t>20/12/2014</a:t>
+              <a:t>27/12/2014</a:t>
             </a:fld>
             <a:endParaRPr lang="es-PE"/>
           </a:p>
@@ -3050,7 +3055,7 @@
           <a:lstStyle/>
           <a:p>
             <a:pPr algn="ctr"/>
-            <a:endParaRPr lang="es-PE"/>
+            <a:endParaRPr lang="es-PE" dirty="0"/>
           </a:p>
         </p:txBody>
       </p:sp>
@@ -3107,8 +3112,8 @@
         </p:nvSpPr>
         <p:spPr>
           <a:xfrm>
-            <a:off x="286604" y="95534"/>
-            <a:ext cx="2265528" cy="996287"/>
+            <a:off x="109182" y="94390"/>
+            <a:ext cx="1037229" cy="996287"/>
           </a:xfrm>
           <a:prstGeom prst="ellipse">
             <a:avLst/>
@@ -3784,6 +3789,46 @@
               </a:schemeClr>
             </a:solidFill>
           </a:ln>
+        </p:spPr>
+        <p:style>
+          <a:lnRef idx="2">
+            <a:schemeClr val="accent1">
+              <a:shade val="50000"/>
+            </a:schemeClr>
+          </a:lnRef>
+          <a:fillRef idx="1">
+            <a:schemeClr val="accent1"/>
+          </a:fillRef>
+          <a:effectRef idx="0">
+            <a:schemeClr val="accent1"/>
+          </a:effectRef>
+          <a:fontRef idx="minor">
+            <a:schemeClr val="lt1"/>
+          </a:fontRef>
+        </p:style>
+        <p:txBody>
+          <a:bodyPr rtlCol="0" anchor="ctr"/>
+          <a:lstStyle/>
+          <a:p>
+            <a:pPr algn="ctr"/>
+            <a:endParaRPr lang="es-PE"/>
+          </a:p>
+        </p:txBody>
+      </p:sp>
+      <p:sp>
+        <p:nvSpPr>
+          <p:cNvPr id="2" name="Rectángulo 1"/>
+          <p:cNvSpPr/>
+          <p:nvPr/>
+        </p:nvSpPr>
+        <p:spPr>
+          <a:xfrm>
+            <a:off x="1249350" y="150212"/>
+            <a:ext cx="1415735" cy="1016438"/>
+          </a:xfrm>
+          <a:prstGeom prst="rect">
+            <a:avLst/>
+          </a:prstGeom>
         </p:spPr>
         <p:style>
           <a:lnRef idx="2">
